--- a/Maga4Sem/ВКР/Предзащита ВКР/Гусев В.Е. 09-335 ВКР магистерская работа (предзащита).pptx
+++ b/Maga4Sem/ВКР/Предзащита ВКР/Гусев В.Е. 09-335 ВКР магистерская работа (предзащита).pptx
@@ -10,6 +10,9 @@
     <p:sldId id="258" r:id="rId4"/>
     <p:sldId id="259" r:id="rId5"/>
     <p:sldId id="260" r:id="rId6"/>
+    <p:sldId id="261" r:id="rId7"/>
+    <p:sldId id="262" r:id="rId8"/>
+    <p:sldId id="263" r:id="rId9"/>
   </p:sldIdLst>
   <p:sldSz cx="12192000" cy="6858000"/>
   <p:notesSz cx="6858000" cy="9144000"/>
@@ -108,6 +111,11 @@
       </a:defRPr>
     </a:lvl9pPr>
   </p:defaultTextStyle>
+  <p:extLst>
+    <p:ext uri="{EFAFB233-063F-42B5-8137-9DF3F51BA10A}">
+      <p15:sldGuideLst xmlns:p15="http://schemas.microsoft.com/office/powerpoint/2012/main"/>
+    </p:ext>
+  </p:extLst>
 </p:presentation>
 </file>
 
@@ -258,7 +266,7 @@
           <a:p>
             <a:fld id="{B8D4D28D-903D-401E-A76F-F65C78C2B95E}" type="datetimeFigureOut">
               <a:rPr lang="ru-RU" smtClean="0"/>
-              <a:t>09.05.2025</a:t>
+              <a:t>10.05.2025</a:t>
             </a:fld>
             <a:endParaRPr lang="ru-RU"/>
           </a:p>
@@ -456,7 +464,7 @@
           <a:p>
             <a:fld id="{B8D4D28D-903D-401E-A76F-F65C78C2B95E}" type="datetimeFigureOut">
               <a:rPr lang="ru-RU" smtClean="0"/>
-              <a:t>09.05.2025</a:t>
+              <a:t>10.05.2025</a:t>
             </a:fld>
             <a:endParaRPr lang="ru-RU"/>
           </a:p>
@@ -664,7 +672,7 @@
           <a:p>
             <a:fld id="{B8D4D28D-903D-401E-A76F-F65C78C2B95E}" type="datetimeFigureOut">
               <a:rPr lang="ru-RU" smtClean="0"/>
-              <a:t>09.05.2025</a:t>
+              <a:t>10.05.2025</a:t>
             </a:fld>
             <a:endParaRPr lang="ru-RU"/>
           </a:p>
@@ -862,7 +870,7 @@
           <a:p>
             <a:fld id="{B8D4D28D-903D-401E-A76F-F65C78C2B95E}" type="datetimeFigureOut">
               <a:rPr lang="ru-RU" smtClean="0"/>
-              <a:t>09.05.2025</a:t>
+              <a:t>10.05.2025</a:t>
             </a:fld>
             <a:endParaRPr lang="ru-RU"/>
           </a:p>
@@ -1137,7 +1145,7 @@
           <a:p>
             <a:fld id="{B8D4D28D-903D-401E-A76F-F65C78C2B95E}" type="datetimeFigureOut">
               <a:rPr lang="ru-RU" smtClean="0"/>
-              <a:t>09.05.2025</a:t>
+              <a:t>10.05.2025</a:t>
             </a:fld>
             <a:endParaRPr lang="ru-RU"/>
           </a:p>
@@ -1402,7 +1410,7 @@
           <a:p>
             <a:fld id="{B8D4D28D-903D-401E-A76F-F65C78C2B95E}" type="datetimeFigureOut">
               <a:rPr lang="ru-RU" smtClean="0"/>
-              <a:t>09.05.2025</a:t>
+              <a:t>10.05.2025</a:t>
             </a:fld>
             <a:endParaRPr lang="ru-RU"/>
           </a:p>
@@ -1814,7 +1822,7 @@
           <a:p>
             <a:fld id="{B8D4D28D-903D-401E-A76F-F65C78C2B95E}" type="datetimeFigureOut">
               <a:rPr lang="ru-RU" smtClean="0"/>
-              <a:t>09.05.2025</a:t>
+              <a:t>10.05.2025</a:t>
             </a:fld>
             <a:endParaRPr lang="ru-RU"/>
           </a:p>
@@ -1955,7 +1963,7 @@
           <a:p>
             <a:fld id="{B8D4D28D-903D-401E-A76F-F65C78C2B95E}" type="datetimeFigureOut">
               <a:rPr lang="ru-RU" smtClean="0"/>
-              <a:t>09.05.2025</a:t>
+              <a:t>10.05.2025</a:t>
             </a:fld>
             <a:endParaRPr lang="ru-RU"/>
           </a:p>
@@ -2068,7 +2076,7 @@
           <a:p>
             <a:fld id="{B8D4D28D-903D-401E-A76F-F65C78C2B95E}" type="datetimeFigureOut">
               <a:rPr lang="ru-RU" smtClean="0"/>
-              <a:t>09.05.2025</a:t>
+              <a:t>10.05.2025</a:t>
             </a:fld>
             <a:endParaRPr lang="ru-RU"/>
           </a:p>
@@ -2379,7 +2387,7 @@
           <a:p>
             <a:fld id="{B8D4D28D-903D-401E-A76F-F65C78C2B95E}" type="datetimeFigureOut">
               <a:rPr lang="ru-RU" smtClean="0"/>
-              <a:t>09.05.2025</a:t>
+              <a:t>10.05.2025</a:t>
             </a:fld>
             <a:endParaRPr lang="ru-RU"/>
           </a:p>
@@ -2667,7 +2675,7 @@
           <a:p>
             <a:fld id="{B8D4D28D-903D-401E-A76F-F65C78C2B95E}" type="datetimeFigureOut">
               <a:rPr lang="ru-RU" smtClean="0"/>
-              <a:t>09.05.2025</a:t>
+              <a:t>10.05.2025</a:t>
             </a:fld>
             <a:endParaRPr lang="ru-RU"/>
           </a:p>
@@ -2908,7 +2916,7 @@
           <a:p>
             <a:fld id="{B8D4D28D-903D-401E-A76F-F65C78C2B95E}" type="datetimeFigureOut">
               <a:rPr lang="ru-RU" smtClean="0"/>
-              <a:t>09.05.2025</a:t>
+              <a:t>10.05.2025</a:t>
             </a:fld>
             <a:endParaRPr lang="ru-RU"/>
           </a:p>
@@ -3379,7 +3387,7 @@
         </p:spPr>
         <p:txBody>
           <a:bodyPr>
-            <a:normAutofit fontScale="92500" lnSpcReduction="10000"/>
+            <a:normAutofit fontScale="85000" lnSpcReduction="20000"/>
           </a:bodyPr>
           <a:lstStyle/>
           <a:p>
@@ -3412,6 +3420,13 @@
             <a:r>
               <a:rPr lang="ru-RU" dirty="0"/>
               <a:t>Научный руководитель:</a:t>
+            </a:r>
+          </a:p>
+          <a:p>
+            <a:pPr algn="r"/>
+            <a:r>
+              <a:rPr lang="ru-RU" dirty="0"/>
+              <a:t>канд. тех. наук, доцент</a:t>
             </a:r>
           </a:p>
           <a:p>
@@ -3764,6 +3779,236 @@
     <p:extLst>
       <p:ext uri="{BB962C8B-B14F-4D97-AF65-F5344CB8AC3E}">
         <p14:creationId xmlns:p14="http://schemas.microsoft.com/office/powerpoint/2010/main" val="3138237567"/>
+      </p:ext>
+    </p:extLst>
+  </p:cSld>
+  <p:clrMapOvr>
+    <a:masterClrMapping/>
+  </p:clrMapOvr>
+</p:sld>
+</file>
+
+<file path=ppt/slides/slide6.xml><?xml version="1.0" encoding="utf-8"?>
+<p:sld xmlns:a="http://schemas.openxmlformats.org/drawingml/2006/main" xmlns:r="http://schemas.openxmlformats.org/officeDocument/2006/relationships" xmlns:p="http://schemas.openxmlformats.org/presentationml/2006/main">
+  <p:cSld>
+    <p:spTree>
+      <p:nvGrpSpPr>
+        <p:cNvPr id="1" name=""/>
+        <p:cNvGrpSpPr/>
+        <p:nvPr/>
+      </p:nvGrpSpPr>
+      <p:grpSpPr>
+        <a:xfrm>
+          <a:off x="0" y="0"/>
+          <a:ext cx="0" cy="0"/>
+          <a:chOff x="0" y="0"/>
+          <a:chExt cx="0" cy="0"/>
+        </a:xfrm>
+      </p:grpSpPr>
+      <p:sp>
+        <p:nvSpPr>
+          <p:cNvPr id="2" name="Заголовок 1">
+            <a:extLst>
+              <a:ext uri="{FF2B5EF4-FFF2-40B4-BE49-F238E27FC236}">
+                <a16:creationId xmlns:a16="http://schemas.microsoft.com/office/drawing/2014/main" id="{B9E41789-D058-4B18-99AC-5ADE2886B160}"/>
+              </a:ext>
+            </a:extLst>
+          </p:cNvPr>
+          <p:cNvSpPr>
+            <a:spLocks noGrp="1"/>
+          </p:cNvSpPr>
+          <p:nvPr>
+            <p:ph type="title"/>
+          </p:nvPr>
+        </p:nvSpPr>
+        <p:spPr/>
+        <p:txBody>
+          <a:bodyPr/>
+          <a:lstStyle/>
+          <a:p>
+            <a:r>
+              <a:rPr lang="ru-RU" dirty="0"/>
+              <a:t>Результаты экспериментов</a:t>
+            </a:r>
+          </a:p>
+        </p:txBody>
+      </p:sp>
+      <p:sp>
+        <p:nvSpPr>
+          <p:cNvPr id="3" name="Объект 2">
+            <a:extLst>
+              <a:ext uri="{FF2B5EF4-FFF2-40B4-BE49-F238E27FC236}">
+                <a16:creationId xmlns:a16="http://schemas.microsoft.com/office/drawing/2014/main" id="{C5FEC6F3-D6BD-40D0-BBD7-1603CA68B715}"/>
+              </a:ext>
+            </a:extLst>
+          </p:cNvPr>
+          <p:cNvSpPr>
+            <a:spLocks noGrp="1"/>
+          </p:cNvSpPr>
+          <p:nvPr>
+            <p:ph idx="1"/>
+          </p:nvPr>
+        </p:nvSpPr>
+        <p:spPr/>
+        <p:txBody>
+          <a:bodyPr/>
+          <a:lstStyle/>
+          <a:p>
+            <a:endParaRPr lang="ru-RU"/>
+          </a:p>
+        </p:txBody>
+      </p:sp>
+    </p:spTree>
+    <p:extLst>
+      <p:ext uri="{BB962C8B-B14F-4D97-AF65-F5344CB8AC3E}">
+        <p14:creationId xmlns:p14="http://schemas.microsoft.com/office/powerpoint/2010/main" val="3912620768"/>
+      </p:ext>
+    </p:extLst>
+  </p:cSld>
+  <p:clrMapOvr>
+    <a:masterClrMapping/>
+  </p:clrMapOvr>
+</p:sld>
+</file>
+
+<file path=ppt/slides/slide7.xml><?xml version="1.0" encoding="utf-8"?>
+<p:sld xmlns:a="http://schemas.openxmlformats.org/drawingml/2006/main" xmlns:r="http://schemas.openxmlformats.org/officeDocument/2006/relationships" xmlns:p="http://schemas.openxmlformats.org/presentationml/2006/main">
+  <p:cSld>
+    <p:spTree>
+      <p:nvGrpSpPr>
+        <p:cNvPr id="1" name=""/>
+        <p:cNvGrpSpPr/>
+        <p:nvPr/>
+      </p:nvGrpSpPr>
+      <p:grpSpPr>
+        <a:xfrm>
+          <a:off x="0" y="0"/>
+          <a:ext cx="0" cy="0"/>
+          <a:chOff x="0" y="0"/>
+          <a:chExt cx="0" cy="0"/>
+        </a:xfrm>
+      </p:grpSpPr>
+      <p:sp>
+        <p:nvSpPr>
+          <p:cNvPr id="2" name="Заголовок 1">
+            <a:extLst>
+              <a:ext uri="{FF2B5EF4-FFF2-40B4-BE49-F238E27FC236}">
+                <a16:creationId xmlns:a16="http://schemas.microsoft.com/office/drawing/2014/main" id="{96A62954-9799-4742-9579-5552774E49A3}"/>
+              </a:ext>
+            </a:extLst>
+          </p:cNvPr>
+          <p:cNvSpPr>
+            <a:spLocks noGrp="1"/>
+          </p:cNvSpPr>
+          <p:nvPr>
+            <p:ph type="title"/>
+          </p:nvPr>
+        </p:nvSpPr>
+        <p:spPr/>
+        <p:txBody>
+          <a:bodyPr/>
+          <a:lstStyle/>
+          <a:p>
+            <a:r>
+              <a:rPr lang="ru-RU" dirty="0"/>
+              <a:t>Заключение</a:t>
+            </a:r>
+          </a:p>
+        </p:txBody>
+      </p:sp>
+      <p:sp>
+        <p:nvSpPr>
+          <p:cNvPr id="3" name="Объект 2">
+            <a:extLst>
+              <a:ext uri="{FF2B5EF4-FFF2-40B4-BE49-F238E27FC236}">
+                <a16:creationId xmlns:a16="http://schemas.microsoft.com/office/drawing/2014/main" id="{E669D61D-F204-48E6-9F8E-E48E2E495190}"/>
+              </a:ext>
+            </a:extLst>
+          </p:cNvPr>
+          <p:cNvSpPr>
+            <a:spLocks noGrp="1"/>
+          </p:cNvSpPr>
+          <p:nvPr>
+            <p:ph idx="1"/>
+          </p:nvPr>
+        </p:nvSpPr>
+        <p:spPr/>
+        <p:txBody>
+          <a:bodyPr/>
+          <a:lstStyle/>
+          <a:p>
+            <a:endParaRPr lang="ru-RU"/>
+          </a:p>
+        </p:txBody>
+      </p:sp>
+    </p:spTree>
+    <p:extLst>
+      <p:ext uri="{BB962C8B-B14F-4D97-AF65-F5344CB8AC3E}">
+        <p14:creationId xmlns:p14="http://schemas.microsoft.com/office/powerpoint/2010/main" val="2929509511"/>
+      </p:ext>
+    </p:extLst>
+  </p:cSld>
+  <p:clrMapOvr>
+    <a:masterClrMapping/>
+  </p:clrMapOvr>
+</p:sld>
+</file>
+
+<file path=ppt/slides/slide8.xml><?xml version="1.0" encoding="utf-8"?>
+<p:sld xmlns:a="http://schemas.openxmlformats.org/drawingml/2006/main" xmlns:r="http://schemas.openxmlformats.org/officeDocument/2006/relationships" xmlns:p="http://schemas.openxmlformats.org/presentationml/2006/main">
+  <p:cSld>
+    <p:spTree>
+      <p:nvGrpSpPr>
+        <p:cNvPr id="1" name=""/>
+        <p:cNvGrpSpPr/>
+        <p:nvPr/>
+      </p:nvGrpSpPr>
+      <p:grpSpPr>
+        <a:xfrm>
+          <a:off x="0" y="0"/>
+          <a:ext cx="0" cy="0"/>
+          <a:chOff x="0" y="0"/>
+          <a:chExt cx="0" cy="0"/>
+        </a:xfrm>
+      </p:grpSpPr>
+      <p:sp>
+        <p:nvSpPr>
+          <p:cNvPr id="4" name="Заголовок 3">
+            <a:extLst>
+              <a:ext uri="{FF2B5EF4-FFF2-40B4-BE49-F238E27FC236}">
+                <a16:creationId xmlns:a16="http://schemas.microsoft.com/office/drawing/2014/main" id="{DB1F915B-D939-47D6-A0EA-E2355557D662}"/>
+              </a:ext>
+            </a:extLst>
+          </p:cNvPr>
+          <p:cNvSpPr>
+            <a:spLocks noGrp="1"/>
+          </p:cNvSpPr>
+          <p:nvPr>
+            <p:ph type="title"/>
+          </p:nvPr>
+        </p:nvSpPr>
+        <p:spPr>
+          <a:xfrm>
+            <a:off x="838200" y="2766218"/>
+            <a:ext cx="10515600" cy="1325563"/>
+          </a:xfrm>
+        </p:spPr>
+        <p:txBody>
+          <a:bodyPr/>
+          <a:lstStyle/>
+          <a:p>
+            <a:pPr algn="ctr"/>
+            <a:r>
+              <a:rPr lang="ru-RU" dirty="0"/>
+              <a:t>Спасибо за внимание!</a:t>
+            </a:r>
+          </a:p>
+        </p:txBody>
+      </p:sp>
+    </p:spTree>
+    <p:extLst>
+      <p:ext uri="{BB962C8B-B14F-4D97-AF65-F5344CB8AC3E}">
+        <p14:creationId xmlns:p14="http://schemas.microsoft.com/office/powerpoint/2010/main" val="3470772447"/>
       </p:ext>
     </p:extLst>
   </p:cSld>
